--- a/0080_btn/rtl/schematic/dechat.pptx
+++ b/0080_btn/rtl/schematic/dechat.pptx
@@ -3421,7 +3421,7 @@
         </p:nvSpPr>
         <p:spPr>
           <a:xfrm>
-            <a:off x="762000" y="1752600"/>
+            <a:off x="762000" y="533400"/>
             <a:ext cx="1524000" cy="228600"/>
           </a:xfrm>
           <a:prstGeom prst="roundRect">
@@ -3486,7 +3486,7 @@
         </p:nvSpPr>
         <p:spPr>
           <a:xfrm>
-            <a:off x="7924800" y="3886200"/>
+            <a:off x="6019800" y="3886200"/>
             <a:ext cx="152400" cy="152400"/>
           </a:xfrm>
           <a:prstGeom prst="rect">
@@ -3543,7 +3543,7 @@
         </p:nvCxnSpPr>
         <p:spPr>
           <a:xfrm>
-            <a:off x="7696200" y="3962400"/>
+            <a:off x="5791200" y="3962400"/>
             <a:ext cx="228600" cy="0"/>
           </a:xfrm>
           <a:prstGeom prst="line">
@@ -3580,7 +3580,7 @@
         </p:nvSpPr>
         <p:spPr>
           <a:xfrm>
-            <a:off x="7239000" y="3886200"/>
+            <a:off x="5334000" y="3886200"/>
             <a:ext cx="457200" cy="152400"/>
           </a:xfrm>
           <a:prstGeom prst="rect">
@@ -3633,7 +3633,7 @@
         </p:nvSpPr>
         <p:spPr>
           <a:xfrm>
-            <a:off x="7010400" y="5181606"/>
+            <a:off x="5105400" y="5181606"/>
             <a:ext cx="304800" cy="304793"/>
           </a:xfrm>
           <a:prstGeom prst="rect">
@@ -3679,7 +3679,7 @@
         </p:nvCxnSpPr>
         <p:spPr>
           <a:xfrm flipV="1">
-            <a:off x="7086601" y="5410173"/>
+            <a:off x="5181601" y="5410173"/>
             <a:ext cx="76200" cy="76200"/>
           </a:xfrm>
           <a:prstGeom prst="line">
@@ -3714,7 +3714,7 @@
         </p:nvCxnSpPr>
         <p:spPr>
           <a:xfrm flipH="1" flipV="1">
-            <a:off x="7162801" y="5410173"/>
+            <a:off x="5257801" y="5410173"/>
             <a:ext cx="76200" cy="76200"/>
           </a:xfrm>
           <a:prstGeom prst="line">
@@ -3749,7 +3749,7 @@
         </p:nvSpPr>
         <p:spPr>
           <a:xfrm>
-            <a:off x="7086600" y="5181580"/>
+            <a:off x="5181600" y="5181580"/>
             <a:ext cx="152400" cy="152400"/>
           </a:xfrm>
           <a:prstGeom prst="rect">
@@ -3802,7 +3802,7 @@
         </p:nvSpPr>
         <p:spPr>
           <a:xfrm>
-            <a:off x="762000" y="2667000"/>
+            <a:off x="609600" y="2286000"/>
             <a:ext cx="228600" cy="152400"/>
           </a:xfrm>
           <a:prstGeom prst="homePlate">
@@ -3853,7 +3853,7 @@
         </p:nvCxnSpPr>
         <p:spPr>
           <a:xfrm flipV="1">
-            <a:off x="1066800" y="2667000"/>
+            <a:off x="914400" y="2286000"/>
             <a:ext cx="152400" cy="152400"/>
           </a:xfrm>
           <a:prstGeom prst="line">
@@ -3890,7 +3890,7 @@
         </p:nvSpPr>
         <p:spPr>
           <a:xfrm>
-            <a:off x="1066800" y="2590800"/>
+            <a:off x="914400" y="2209800"/>
             <a:ext cx="152400" cy="76200"/>
           </a:xfrm>
           <a:prstGeom prst="rect">
@@ -3943,7 +3943,7 @@
         </p:nvSpPr>
         <p:spPr>
           <a:xfrm>
-            <a:off x="1295400" y="2590800"/>
+            <a:off x="1143000" y="2209800"/>
             <a:ext cx="457200" cy="152400"/>
           </a:xfrm>
           <a:prstGeom prst="rect">
@@ -3995,7 +3995,7 @@
         </p:nvSpPr>
         <p:spPr>
           <a:xfrm>
-            <a:off x="12115800" y="2819400"/>
+            <a:off x="11506200" y="2438400"/>
             <a:ext cx="228600" cy="152400"/>
           </a:xfrm>
           <a:prstGeom prst="homePlate">
@@ -4046,7 +4046,7 @@
         </p:nvCxnSpPr>
         <p:spPr>
           <a:xfrm flipV="1">
-            <a:off x="11887200" y="2819400"/>
+            <a:off x="11277600" y="2438400"/>
             <a:ext cx="152400" cy="152400"/>
           </a:xfrm>
           <a:prstGeom prst="line">
@@ -4083,7 +4083,7 @@
         </p:nvSpPr>
         <p:spPr>
           <a:xfrm>
-            <a:off x="11887200" y="2743200"/>
+            <a:off x="11277600" y="2362200"/>
             <a:ext cx="152400" cy="76200"/>
           </a:xfrm>
           <a:prstGeom prst="rect">
@@ -4136,7 +4136,7 @@
         </p:nvSpPr>
         <p:spPr>
           <a:xfrm>
-            <a:off x="10972800" y="2743200"/>
+            <a:off x="10668000" y="2362200"/>
             <a:ext cx="457200" cy="152400"/>
           </a:xfrm>
           <a:prstGeom prst="rect">
@@ -4188,7 +4188,7 @@
         </p:nvSpPr>
         <p:spPr>
           <a:xfrm>
-            <a:off x="838200" y="5333993"/>
+            <a:off x="609600" y="6019800"/>
             <a:ext cx="228600" cy="152400"/>
           </a:xfrm>
           <a:prstGeom prst="homePlate">
@@ -4239,7 +4239,7 @@
         </p:nvCxnSpPr>
         <p:spPr>
           <a:xfrm flipV="1">
-            <a:off x="1143000" y="5333993"/>
+            <a:off x="914400" y="6019800"/>
             <a:ext cx="152400" cy="152400"/>
           </a:xfrm>
           <a:prstGeom prst="line">
@@ -4276,7 +4276,7 @@
         </p:nvSpPr>
         <p:spPr>
           <a:xfrm>
-            <a:off x="1143000" y="5257793"/>
+            <a:off x="914400" y="5943600"/>
             <a:ext cx="152400" cy="76200"/>
           </a:xfrm>
           <a:prstGeom prst="rect">
@@ -4329,7 +4329,7 @@
         </p:nvSpPr>
         <p:spPr>
           <a:xfrm>
-            <a:off x="1371600" y="5257793"/>
+            <a:off x="1143000" y="5943600"/>
             <a:ext cx="457200" cy="152400"/>
           </a:xfrm>
           <a:prstGeom prst="rect">
@@ -4383,7 +4383,7 @@
         </p:nvCxnSpPr>
         <p:spPr>
           <a:xfrm>
-            <a:off x="1066800" y="5410193"/>
+            <a:off x="838200" y="6096000"/>
             <a:ext cx="914400" cy="0"/>
           </a:xfrm>
           <a:prstGeom prst="line">
@@ -4420,7 +4420,7 @@
         </p:nvSpPr>
         <p:spPr>
           <a:xfrm>
-            <a:off x="2438400" y="5333999"/>
+            <a:off x="2209800" y="6019806"/>
             <a:ext cx="304800" cy="304793"/>
           </a:xfrm>
           <a:prstGeom prst="rect">
@@ -4466,7 +4466,7 @@
         </p:nvCxnSpPr>
         <p:spPr>
           <a:xfrm flipV="1">
-            <a:off x="2514601" y="5562566"/>
+            <a:off x="2286001" y="6248373"/>
             <a:ext cx="76200" cy="76200"/>
           </a:xfrm>
           <a:prstGeom prst="line">
@@ -4501,7 +4501,7 @@
         </p:nvCxnSpPr>
         <p:spPr>
           <a:xfrm flipH="1" flipV="1">
-            <a:off x="2590801" y="5562566"/>
+            <a:off x="2362201" y="6248373"/>
             <a:ext cx="76200" cy="76200"/>
           </a:xfrm>
           <a:prstGeom prst="line">
@@ -4536,7 +4536,7 @@
         </p:nvSpPr>
         <p:spPr>
           <a:xfrm>
-            <a:off x="2514600" y="5333973"/>
+            <a:off x="2286000" y="6019780"/>
             <a:ext cx="152400" cy="152400"/>
           </a:xfrm>
           <a:prstGeom prst="rect">
@@ -4589,7 +4589,7 @@
         </p:nvSpPr>
         <p:spPr>
           <a:xfrm>
-            <a:off x="2057400" y="5333993"/>
+            <a:off x="1828800" y="6019800"/>
             <a:ext cx="457200" cy="152400"/>
           </a:xfrm>
           <a:prstGeom prst="rect">
@@ -4641,7 +4641,7 @@
         </p:nvSpPr>
         <p:spPr>
           <a:xfrm>
-            <a:off x="2895600" y="5333993"/>
+            <a:off x="2667000" y="6019800"/>
             <a:ext cx="457200" cy="152400"/>
           </a:xfrm>
           <a:prstGeom prst="rect">
@@ -4693,7 +4693,7 @@
         </p:nvSpPr>
         <p:spPr>
           <a:xfrm>
-            <a:off x="838200" y="5791200"/>
+            <a:off x="609600" y="6477007"/>
             <a:ext cx="228600" cy="152400"/>
           </a:xfrm>
           <a:prstGeom prst="homePlate">
@@ -4744,7 +4744,7 @@
         </p:nvCxnSpPr>
         <p:spPr>
           <a:xfrm flipV="1">
-            <a:off x="1143000" y="5791200"/>
+            <a:off x="914400" y="6477007"/>
             <a:ext cx="152400" cy="152400"/>
           </a:xfrm>
           <a:prstGeom prst="line">
@@ -4781,7 +4781,7 @@
         </p:nvSpPr>
         <p:spPr>
           <a:xfrm>
-            <a:off x="1143000" y="5715000"/>
+            <a:off x="914400" y="6400807"/>
             <a:ext cx="152400" cy="76200"/>
           </a:xfrm>
           <a:prstGeom prst="rect">
@@ -4834,7 +4834,7 @@
         </p:nvSpPr>
         <p:spPr>
           <a:xfrm>
-            <a:off x="1371600" y="5715000"/>
+            <a:off x="1143000" y="6400807"/>
             <a:ext cx="457200" cy="152400"/>
           </a:xfrm>
           <a:prstGeom prst="rect">
@@ -4888,7 +4888,7 @@
         </p:nvCxnSpPr>
         <p:spPr>
           <a:xfrm>
-            <a:off x="1066800" y="5867400"/>
+            <a:off x="838200" y="6553207"/>
             <a:ext cx="914400" cy="0"/>
           </a:xfrm>
           <a:prstGeom prst="line">
@@ -4925,7 +4925,7 @@
         </p:nvSpPr>
         <p:spPr>
           <a:xfrm>
-            <a:off x="2438400" y="5791206"/>
+            <a:off x="2209800" y="6477013"/>
             <a:ext cx="304800" cy="304793"/>
           </a:xfrm>
           <a:prstGeom prst="rect">
@@ -4971,7 +4971,7 @@
         </p:nvCxnSpPr>
         <p:spPr>
           <a:xfrm flipV="1">
-            <a:off x="2514601" y="6019773"/>
+            <a:off x="2286001" y="6705580"/>
             <a:ext cx="76200" cy="76200"/>
           </a:xfrm>
           <a:prstGeom prst="line">
@@ -5006,7 +5006,7 @@
         </p:nvCxnSpPr>
         <p:spPr>
           <a:xfrm flipH="1" flipV="1">
-            <a:off x="2590801" y="6019773"/>
+            <a:off x="2362201" y="6705580"/>
             <a:ext cx="76200" cy="76200"/>
           </a:xfrm>
           <a:prstGeom prst="line">
@@ -5041,7 +5041,7 @@
         </p:nvSpPr>
         <p:spPr>
           <a:xfrm>
-            <a:off x="2514600" y="5791180"/>
+            <a:off x="2286000" y="6476987"/>
             <a:ext cx="152400" cy="152400"/>
           </a:xfrm>
           <a:prstGeom prst="rect">
@@ -5094,7 +5094,7 @@
         </p:nvSpPr>
         <p:spPr>
           <a:xfrm>
-            <a:off x="2057400" y="5791200"/>
+            <a:off x="1828800" y="6477007"/>
             <a:ext cx="457200" cy="152400"/>
           </a:xfrm>
           <a:prstGeom prst="rect">
@@ -5146,7 +5146,7 @@
         </p:nvSpPr>
         <p:spPr>
           <a:xfrm>
-            <a:off x="2895600" y="5791200"/>
+            <a:off x="2667000" y="6477007"/>
             <a:ext cx="457200" cy="152400"/>
           </a:xfrm>
           <a:prstGeom prst="rect">
@@ -5198,7 +5198,7 @@
         </p:nvSpPr>
         <p:spPr>
           <a:xfrm rot="5400000">
-            <a:off x="5562600" y="5181600"/>
+            <a:off x="3657600" y="5181600"/>
             <a:ext cx="457200" cy="152400"/>
           </a:xfrm>
           <a:prstGeom prst="trapezoid">
@@ -5246,7 +5246,7 @@
         </p:nvSpPr>
         <p:spPr>
           <a:xfrm>
-            <a:off x="5715000" y="5257800"/>
+            <a:off x="3810000" y="5257800"/>
             <a:ext cx="152400" cy="152400"/>
           </a:xfrm>
           <a:prstGeom prst="rect">
@@ -5298,7 +5298,7 @@
         </p:nvSpPr>
         <p:spPr>
           <a:xfrm>
-            <a:off x="5715000" y="5105400"/>
+            <a:off x="3810000" y="5105400"/>
             <a:ext cx="152400" cy="152400"/>
           </a:xfrm>
           <a:prstGeom prst="rect">
@@ -5350,7 +5350,7 @@
         </p:nvCxnSpPr>
         <p:spPr>
           <a:xfrm>
-            <a:off x="5410200" y="5105400"/>
+            <a:off x="3505200" y="5105400"/>
             <a:ext cx="304800" cy="0"/>
           </a:xfrm>
           <a:prstGeom prst="line">
@@ -5387,7 +5387,7 @@
         </p:nvCxnSpPr>
         <p:spPr>
           <a:xfrm>
-            <a:off x="5410200" y="5410200"/>
+            <a:off x="3505200" y="5410200"/>
             <a:ext cx="304800" cy="0"/>
           </a:xfrm>
           <a:prstGeom prst="line">
@@ -5424,7 +5424,7 @@
         </p:nvSpPr>
         <p:spPr>
           <a:xfrm rot="5400000">
-            <a:off x="8991600" y="4038600"/>
+            <a:off x="7086600" y="4038600"/>
             <a:ext cx="457200" cy="152400"/>
           </a:xfrm>
           <a:prstGeom prst="trapezoid">
@@ -5472,7 +5472,7 @@
         </p:nvSpPr>
         <p:spPr>
           <a:xfrm>
-            <a:off x="9144000" y="4114800"/>
+            <a:off x="7239000" y="4114800"/>
             <a:ext cx="152400" cy="152400"/>
           </a:xfrm>
           <a:prstGeom prst="rect">
@@ -5524,7 +5524,7 @@
         </p:nvSpPr>
         <p:spPr>
           <a:xfrm>
-            <a:off x="9144000" y="3962400"/>
+            <a:off x="7239000" y="3962400"/>
             <a:ext cx="152400" cy="152400"/>
           </a:xfrm>
           <a:prstGeom prst="rect">
@@ -5576,7 +5576,7 @@
         </p:nvSpPr>
         <p:spPr>
           <a:xfrm>
-            <a:off x="5105400" y="4953000"/>
+            <a:off x="3200400" y="4953000"/>
             <a:ext cx="457200" cy="152400"/>
           </a:xfrm>
           <a:prstGeom prst="rect">
@@ -5631,7 +5631,7 @@
         </p:nvCxnSpPr>
         <p:spPr>
           <a:xfrm>
-            <a:off x="5867400" y="5257800"/>
+            <a:off x="3962400" y="5257800"/>
             <a:ext cx="1143000" cy="0"/>
           </a:xfrm>
           <a:prstGeom prst="line">
@@ -5668,7 +5668,7 @@
         </p:nvCxnSpPr>
         <p:spPr>
           <a:xfrm>
-            <a:off x="10439400" y="4114800"/>
+            <a:off x="8534400" y="4114800"/>
             <a:ext cx="0" cy="1752600"/>
           </a:xfrm>
           <a:prstGeom prst="line">
@@ -5705,7 +5705,7 @@
         </p:nvCxnSpPr>
         <p:spPr>
           <a:xfrm flipH="1">
-            <a:off x="5410200" y="5867400"/>
+            <a:off x="3505200" y="5867400"/>
             <a:ext cx="5029200" cy="0"/>
           </a:xfrm>
           <a:prstGeom prst="line">
@@ -5742,7 +5742,7 @@
         </p:nvCxnSpPr>
         <p:spPr>
           <a:xfrm>
-            <a:off x="7315200" y="5257800"/>
+            <a:off x="5410200" y="5257800"/>
             <a:ext cx="1143000" cy="0"/>
           </a:xfrm>
           <a:prstGeom prst="line">
@@ -5781,7 +5781,7 @@
         </p:nvCxnSpPr>
         <p:spPr>
           <a:xfrm>
-            <a:off x="8077200" y="3962400"/>
+            <a:off x="6172200" y="3962400"/>
             <a:ext cx="1066800" cy="0"/>
           </a:xfrm>
           <a:prstGeom prst="line">
@@ -5820,7 +5820,7 @@
         </p:nvCxnSpPr>
         <p:spPr>
           <a:xfrm flipV="1">
-            <a:off x="8001000" y="4038600"/>
+            <a:off x="6096000" y="4038600"/>
             <a:ext cx="0" cy="1219200"/>
           </a:xfrm>
           <a:prstGeom prst="line">
@@ -5857,7 +5857,7 @@
         </p:nvCxnSpPr>
         <p:spPr>
           <a:xfrm flipV="1">
-            <a:off x="5410200" y="5410200"/>
+            <a:off x="3505200" y="5410200"/>
             <a:ext cx="0" cy="457200"/>
           </a:xfrm>
           <a:prstGeom prst="line">
@@ -5894,7 +5894,7 @@
         </p:nvSpPr>
         <p:spPr>
           <a:xfrm>
-            <a:off x="9753600" y="2819406"/>
+            <a:off x="7848600" y="2438406"/>
             <a:ext cx="304800" cy="304793"/>
           </a:xfrm>
           <a:prstGeom prst="rect">
@@ -5940,7 +5940,7 @@
         </p:nvCxnSpPr>
         <p:spPr>
           <a:xfrm flipV="1">
-            <a:off x="9829801" y="3047973"/>
+            <a:off x="7924801" y="2666973"/>
             <a:ext cx="76200" cy="76200"/>
           </a:xfrm>
           <a:prstGeom prst="line">
@@ -5975,7 +5975,7 @@
         </p:nvCxnSpPr>
         <p:spPr>
           <a:xfrm flipH="1" flipV="1">
-            <a:off x="9906001" y="3047973"/>
+            <a:off x="8001001" y="2666973"/>
             <a:ext cx="76200" cy="76200"/>
           </a:xfrm>
           <a:prstGeom prst="line">
@@ -6010,7 +6010,7 @@
         </p:nvSpPr>
         <p:spPr>
           <a:xfrm>
-            <a:off x="9829800" y="2819380"/>
+            <a:off x="7924800" y="2438380"/>
             <a:ext cx="152400" cy="152400"/>
           </a:xfrm>
           <a:prstGeom prst="rect">
@@ -6063,7 +6063,7 @@
         </p:nvSpPr>
         <p:spPr>
           <a:xfrm rot="5400000">
-            <a:off x="8991600" y="2819400"/>
+            <a:off x="7086600" y="2438400"/>
             <a:ext cx="457200" cy="152400"/>
           </a:xfrm>
           <a:prstGeom prst="trapezoid">
@@ -6111,7 +6111,7 @@
         </p:nvSpPr>
         <p:spPr>
           <a:xfrm>
-            <a:off x="9144000" y="2743200"/>
+            <a:off x="7239000" y="2362200"/>
             <a:ext cx="152400" cy="152400"/>
           </a:xfrm>
           <a:prstGeom prst="rect">
@@ -6163,7 +6163,7 @@
         </p:nvSpPr>
         <p:spPr>
           <a:xfrm>
-            <a:off x="9144000" y="2895600"/>
+            <a:off x="7239000" y="2514600"/>
             <a:ext cx="152400" cy="152400"/>
           </a:xfrm>
           <a:prstGeom prst="rect">
@@ -6215,7 +6215,7 @@
         </p:nvCxnSpPr>
         <p:spPr>
           <a:xfrm>
-            <a:off x="9296400" y="2895600"/>
+            <a:off x="7391400" y="2514600"/>
             <a:ext cx="457200" cy="0"/>
           </a:xfrm>
           <a:prstGeom prst="line">
@@ -6254,8 +6254,8 @@
         </p:nvCxnSpPr>
         <p:spPr>
           <a:xfrm>
-            <a:off x="10058400" y="2895600"/>
-            <a:ext cx="2057400" cy="0"/>
+            <a:off x="8153400" y="2514600"/>
+            <a:ext cx="3352800" cy="0"/>
           </a:xfrm>
           <a:prstGeom prst="line">
             <a:avLst/>
@@ -6291,7 +6291,7 @@
         </p:nvCxnSpPr>
         <p:spPr>
           <a:xfrm flipH="1">
-            <a:off x="8763000" y="3048000"/>
+            <a:off x="6858000" y="2667000"/>
             <a:ext cx="381000" cy="0"/>
           </a:xfrm>
           <a:prstGeom prst="line">
@@ -6328,8 +6328,8 @@
         </p:nvCxnSpPr>
         <p:spPr>
           <a:xfrm>
-            <a:off x="10439400" y="2895600"/>
-            <a:ext cx="0" cy="685800"/>
+            <a:off x="8534400" y="2514600"/>
+            <a:ext cx="0" cy="1066800"/>
           </a:xfrm>
           <a:prstGeom prst="line">
             <a:avLst/>
@@ -6339,7 +6339,7 @@
               <a:srgbClr val="000000"/>
             </a:solidFill>
             <a:headEnd type="oval" w="med" len="med"/>
-            <a:tailEnd type="none" w="med" len="med"/>
+            <a:tailEnd type="oval" w="med" len="med"/>
           </a:ln>
         </p:spPr>
         <p:style>
@@ -6365,7 +6365,7 @@
         </p:nvCxnSpPr>
         <p:spPr>
           <a:xfrm flipV="1">
-            <a:off x="7391400" y="5181600"/>
+            <a:off x="5486400" y="5181600"/>
             <a:ext cx="152400" cy="152400"/>
           </a:xfrm>
           <a:prstGeom prst="line">
@@ -6402,7 +6402,7 @@
         </p:nvSpPr>
         <p:spPr>
           <a:xfrm>
-            <a:off x="7391400" y="5105400"/>
+            <a:off x="5486400" y="5105400"/>
             <a:ext cx="152400" cy="76200"/>
           </a:xfrm>
           <a:prstGeom prst="rect">
@@ -6455,7 +6455,7 @@
         </p:nvSpPr>
         <p:spPr>
           <a:xfrm>
-            <a:off x="7620000" y="5105400"/>
+            <a:off x="5715000" y="5105400"/>
             <a:ext cx="457200" cy="152400"/>
           </a:xfrm>
           <a:prstGeom prst="rect">
@@ -6514,7 +6514,7 @@
         </p:nvSpPr>
         <p:spPr>
           <a:xfrm>
-            <a:off x="2057400" y="2667026"/>
+            <a:off x="1905000" y="2286026"/>
             <a:ext cx="304800" cy="304793"/>
           </a:xfrm>
           <a:prstGeom prst="rect">
@@ -6560,7 +6560,7 @@
         </p:nvCxnSpPr>
         <p:spPr>
           <a:xfrm flipV="1">
-            <a:off x="2133601" y="2895593"/>
+            <a:off x="1981201" y="2514593"/>
             <a:ext cx="76200" cy="76200"/>
           </a:xfrm>
           <a:prstGeom prst="line">
@@ -6595,7 +6595,7 @@
         </p:nvCxnSpPr>
         <p:spPr>
           <a:xfrm flipH="1" flipV="1">
-            <a:off x="2209801" y="2895593"/>
+            <a:off x="2057401" y="2514593"/>
             <a:ext cx="76200" cy="76200"/>
           </a:xfrm>
           <a:prstGeom prst="line">
@@ -6630,7 +6630,7 @@
         </p:nvSpPr>
         <p:spPr>
           <a:xfrm>
-            <a:off x="2133600" y="2667000"/>
+            <a:off x="1981200" y="2286000"/>
             <a:ext cx="152400" cy="152400"/>
           </a:xfrm>
           <a:prstGeom prst="rect">
@@ -6685,7 +6685,7 @@
         </p:nvCxnSpPr>
         <p:spPr>
           <a:xfrm>
-            <a:off x="990600" y="2743204"/>
+            <a:off x="838200" y="2362204"/>
             <a:ext cx="1066800" cy="13"/>
           </a:xfrm>
           <a:prstGeom prst="line">
@@ -6722,7 +6722,7 @@
         </p:nvSpPr>
         <p:spPr>
           <a:xfrm>
-            <a:off x="3429000" y="2667026"/>
+            <a:off x="3276600" y="2286026"/>
             <a:ext cx="304800" cy="304793"/>
           </a:xfrm>
           <a:prstGeom prst="rect">
@@ -6768,7 +6768,7 @@
         </p:nvCxnSpPr>
         <p:spPr>
           <a:xfrm flipV="1">
-            <a:off x="3505201" y="2895593"/>
+            <a:off x="3352801" y="2514593"/>
             <a:ext cx="76200" cy="76200"/>
           </a:xfrm>
           <a:prstGeom prst="line">
@@ -6803,7 +6803,7 @@
         </p:nvCxnSpPr>
         <p:spPr>
           <a:xfrm flipH="1" flipV="1">
-            <a:off x="3581401" y="2895593"/>
+            <a:off x="3429001" y="2514593"/>
             <a:ext cx="76200" cy="76200"/>
           </a:xfrm>
           <a:prstGeom prst="line">
@@ -6838,7 +6838,7 @@
         </p:nvSpPr>
         <p:spPr>
           <a:xfrm>
-            <a:off x="3505200" y="2667000"/>
+            <a:off x="3352800" y="2286000"/>
             <a:ext cx="152400" cy="152400"/>
           </a:xfrm>
           <a:prstGeom prst="rect">
@@ -6891,7 +6891,7 @@
         </p:nvCxnSpPr>
         <p:spPr>
           <a:xfrm>
-            <a:off x="2362200" y="2743204"/>
+            <a:off x="2209800" y="2362204"/>
             <a:ext cx="1066800" cy="13"/>
           </a:xfrm>
           <a:prstGeom prst="line">
@@ -6928,7 +6928,7 @@
         </p:nvCxnSpPr>
         <p:spPr>
           <a:xfrm flipV="1">
-            <a:off x="2438400" y="2667000"/>
+            <a:off x="2286000" y="2286000"/>
             <a:ext cx="152400" cy="152400"/>
           </a:xfrm>
           <a:prstGeom prst="line">
@@ -6965,7 +6965,7 @@
         </p:nvSpPr>
         <p:spPr>
           <a:xfrm>
-            <a:off x="2438400" y="2590800"/>
+            <a:off x="2286000" y="2209800"/>
             <a:ext cx="152400" cy="76200"/>
           </a:xfrm>
           <a:prstGeom prst="rect">
@@ -7018,7 +7018,7 @@
         </p:nvSpPr>
         <p:spPr>
           <a:xfrm>
-            <a:off x="2667000" y="2590800"/>
+            <a:off x="2514600" y="2209800"/>
             <a:ext cx="457200" cy="152400"/>
           </a:xfrm>
           <a:prstGeom prst="rect">
@@ -7070,8 +7070,8 @@
         </p:nvCxnSpPr>
         <p:spPr>
           <a:xfrm>
-            <a:off x="3733800" y="2743200"/>
-            <a:ext cx="5410200" cy="0"/>
+            <a:off x="3581400" y="2362200"/>
+            <a:ext cx="3657600" cy="0"/>
           </a:xfrm>
           <a:prstGeom prst="line">
             <a:avLst/>
@@ -7107,7 +7107,7 @@
         </p:nvCxnSpPr>
         <p:spPr>
           <a:xfrm flipV="1">
-            <a:off x="3810000" y="2667000"/>
+            <a:off x="3657600" y="2286000"/>
             <a:ext cx="152400" cy="152400"/>
           </a:xfrm>
           <a:prstGeom prst="line">
@@ -7144,7 +7144,7 @@
         </p:nvSpPr>
         <p:spPr>
           <a:xfrm>
-            <a:off x="3810000" y="2590800"/>
+            <a:off x="3657600" y="2209800"/>
             <a:ext cx="152400" cy="76200"/>
           </a:xfrm>
           <a:prstGeom prst="rect">
@@ -7197,7 +7197,7 @@
         </p:nvSpPr>
         <p:spPr>
           <a:xfrm>
-            <a:off x="4038600" y="2590800"/>
+            <a:off x="3962400" y="2209800"/>
             <a:ext cx="457200" cy="152400"/>
           </a:xfrm>
           <a:prstGeom prst="rect">
@@ -7251,8 +7251,8 @@
         </p:nvCxnSpPr>
         <p:spPr>
           <a:xfrm>
-            <a:off x="5791200" y="2743200"/>
-            <a:ext cx="0" cy="762000"/>
+            <a:off x="3886200" y="2362200"/>
+            <a:ext cx="0" cy="1143000"/>
           </a:xfrm>
           <a:prstGeom prst="line">
             <a:avLst/>
@@ -7288,8 +7288,8 @@
         </p:nvCxnSpPr>
         <p:spPr>
           <a:xfrm flipV="1">
-            <a:off x="9220200" y="3048000"/>
-            <a:ext cx="0" cy="914400"/>
+            <a:off x="7315200" y="2667000"/>
+            <a:ext cx="0" cy="1295400"/>
           </a:xfrm>
           <a:prstGeom prst="line">
             <a:avLst/>
@@ -7325,7 +7325,7 @@
         </p:nvSpPr>
         <p:spPr>
           <a:xfrm>
-            <a:off x="5715000" y="3505200"/>
+            <a:off x="3810000" y="3505200"/>
             <a:ext cx="152400" cy="152400"/>
           </a:xfrm>
           <a:prstGeom prst="rect">
@@ -7380,8 +7380,8 @@
         </p:nvCxnSpPr>
         <p:spPr>
           <a:xfrm flipV="1">
-            <a:off x="8763000" y="3048000"/>
-            <a:ext cx="0" cy="533400"/>
+            <a:off x="6858000" y="2667000"/>
+            <a:ext cx="0" cy="914400"/>
           </a:xfrm>
           <a:prstGeom prst="line">
             <a:avLst/>
@@ -7419,8 +7419,8 @@
         </p:nvCxnSpPr>
         <p:spPr>
           <a:xfrm flipH="1">
-            <a:off x="5867400" y="3581400"/>
-            <a:ext cx="4572000" cy="0"/>
+            <a:off x="3962400" y="3581400"/>
+            <a:ext cx="4876800" cy="0"/>
           </a:xfrm>
           <a:prstGeom prst="line">
             <a:avLst/>
@@ -7429,7 +7429,7 @@
             <a:solidFill>
               <a:srgbClr val="000000"/>
             </a:solidFill>
-            <a:headEnd type="none" w="med" len="med"/>
+            <a:headEnd type="triangle" w="med" len="med"/>
             <a:tailEnd type="triangle" w="med" len="med"/>
           </a:ln>
         </p:spPr>
@@ -7458,7 +7458,7 @@
         </p:nvCxnSpPr>
         <p:spPr>
           <a:xfrm>
-            <a:off x="5791200" y="3657600"/>
+            <a:off x="3886200" y="3657600"/>
             <a:ext cx="0" cy="1447800"/>
           </a:xfrm>
           <a:prstGeom prst="line">
@@ -7495,7 +7495,7 @@
         </p:nvCxnSpPr>
         <p:spPr>
           <a:xfrm>
-            <a:off x="9296400" y="4114800"/>
+            <a:off x="7391400" y="4114800"/>
             <a:ext cx="1143000" cy="0"/>
           </a:xfrm>
           <a:prstGeom prst="line">
@@ -7532,7 +7532,7 @@
         </p:nvSpPr>
         <p:spPr>
           <a:xfrm rot="16200000">
-            <a:off x="8458201" y="5029201"/>
+            <a:off x="6553201" y="5029201"/>
             <a:ext cx="304800" cy="304800"/>
           </a:xfrm>
           <a:prstGeom prst="rect">
@@ -7587,7 +7587,7 @@
         </p:nvCxnSpPr>
         <p:spPr>
           <a:xfrm>
-            <a:off x="8153400" y="5105400"/>
+            <a:off x="6248400" y="5105400"/>
             <a:ext cx="304800" cy="0"/>
           </a:xfrm>
           <a:prstGeom prst="line">
@@ -7619,13 +7619,15 @@
       <p:cxnSp>
         <p:nvCxnSpPr>
           <p:cNvPr id="188" name="Straight Connector 187"/>
-          <p:cNvCxnSpPr/>
+          <p:cNvCxnSpPr>
+            <a:stCxn id="191" idx="3"/>
+          </p:cNvCxnSpPr>
           <p:nvPr/>
         </p:nvCxnSpPr>
         <p:spPr>
           <a:xfrm>
-            <a:off x="990600" y="4267200"/>
-            <a:ext cx="8153400" cy="0"/>
+            <a:off x="838200" y="4267200"/>
+            <a:ext cx="6400800" cy="0"/>
           </a:xfrm>
           <a:prstGeom prst="line">
             <a:avLst/>
@@ -7661,7 +7663,7 @@
         </p:nvSpPr>
         <p:spPr>
           <a:xfrm>
-            <a:off x="762000" y="4191000"/>
+            <a:off x="609600" y="4191000"/>
             <a:ext cx="228600" cy="152400"/>
           </a:xfrm>
           <a:prstGeom prst="homePlate">
@@ -7712,7 +7714,7 @@
         </p:nvCxnSpPr>
         <p:spPr>
           <a:xfrm flipV="1">
-            <a:off x="1066800" y="4191000"/>
+            <a:off x="914400" y="4191000"/>
             <a:ext cx="152400" cy="152400"/>
           </a:xfrm>
           <a:prstGeom prst="line">
@@ -7749,7 +7751,7 @@
         </p:nvSpPr>
         <p:spPr>
           <a:xfrm>
-            <a:off x="1066800" y="4114800"/>
+            <a:off x="914400" y="4114800"/>
             <a:ext cx="152400" cy="76200"/>
           </a:xfrm>
           <a:prstGeom prst="rect">
@@ -7802,7 +7804,7 @@
         </p:nvSpPr>
         <p:spPr>
           <a:xfrm>
-            <a:off x="1295400" y="4114800"/>
+            <a:off x="1143000" y="4114800"/>
             <a:ext cx="457200" cy="152400"/>
           </a:xfrm>
           <a:prstGeom prst="rect">
@@ -7854,7 +7856,7 @@
         </p:nvCxnSpPr>
         <p:spPr>
           <a:xfrm flipV="1">
-            <a:off x="9220200" y="4267200"/>
+            <a:off x="7315200" y="4267200"/>
             <a:ext cx="0" cy="914400"/>
           </a:xfrm>
           <a:prstGeom prst="line">
@@ -7891,7 +7893,7 @@
         </p:nvCxnSpPr>
         <p:spPr>
           <a:xfrm>
-            <a:off x="8763000" y="5181600"/>
+            <a:off x="6858000" y="5181600"/>
             <a:ext cx="457200" cy="0"/>
           </a:xfrm>
           <a:prstGeom prst="line">
@@ -7928,7 +7930,7 @@
         </p:nvCxnSpPr>
         <p:spPr>
           <a:xfrm>
-            <a:off x="8153400" y="4267200"/>
+            <a:off x="6248400" y="4267200"/>
             <a:ext cx="0" cy="838200"/>
           </a:xfrm>
           <a:prstGeom prst="line">
@@ -7965,7 +7967,7 @@
         </p:nvCxnSpPr>
         <p:spPr>
           <a:xfrm flipV="1">
-            <a:off x="8839200" y="5105400"/>
+            <a:off x="6934200" y="5105400"/>
             <a:ext cx="152400" cy="152400"/>
           </a:xfrm>
           <a:prstGeom prst="line">
@@ -8002,7 +8004,7 @@
         </p:nvSpPr>
         <p:spPr>
           <a:xfrm>
-            <a:off x="8839200" y="5029200"/>
+            <a:off x="6934200" y="5029200"/>
             <a:ext cx="152400" cy="76200"/>
           </a:xfrm>
           <a:prstGeom prst="rect">
@@ -8055,7 +8057,7 @@
         </p:nvSpPr>
         <p:spPr>
           <a:xfrm>
-            <a:off x="8991600" y="5181600"/>
+            <a:off x="7086600" y="5181600"/>
             <a:ext cx="457200" cy="152400"/>
           </a:xfrm>
           <a:prstGeom prst="rect">
@@ -8114,7 +8116,7 @@
         </p:nvSpPr>
         <p:spPr>
           <a:xfrm>
-            <a:off x="762000" y="2057400"/>
+            <a:off x="762000" y="838200"/>
             <a:ext cx="457200" cy="152400"/>
           </a:xfrm>
           <a:prstGeom prst="rect">
@@ -8183,7 +8185,7 @@
         </p:nvCxnSpPr>
         <p:spPr>
           <a:xfrm flipV="1">
-            <a:off x="1828800" y="2971800"/>
+            <a:off x="1676400" y="2590800"/>
             <a:ext cx="152400" cy="76200"/>
           </a:xfrm>
           <a:prstGeom prst="line">
@@ -8220,7 +8222,7 @@
         </p:nvSpPr>
         <p:spPr>
           <a:xfrm>
-            <a:off x="1600200" y="3048000"/>
+            <a:off x="1447800" y="2667000"/>
             <a:ext cx="457200" cy="152400"/>
           </a:xfrm>
           <a:prstGeom prst="rect">
@@ -8289,7 +8291,7 @@
         </p:nvCxnSpPr>
         <p:spPr>
           <a:xfrm flipV="1">
-            <a:off x="3200400" y="2971800"/>
+            <a:off x="3048000" y="2590800"/>
             <a:ext cx="152400" cy="76200"/>
           </a:xfrm>
           <a:prstGeom prst="line">
@@ -8326,7 +8328,7 @@
         </p:nvSpPr>
         <p:spPr>
           <a:xfrm>
-            <a:off x="2971800" y="3048000"/>
+            <a:off x="2819400" y="2667000"/>
             <a:ext cx="457200" cy="152400"/>
           </a:xfrm>
           <a:prstGeom prst="rect">
@@ -8395,7 +8397,7 @@
         </p:nvCxnSpPr>
         <p:spPr>
           <a:xfrm flipV="1">
-            <a:off x="9525000" y="3124200"/>
+            <a:off x="7620000" y="2743200"/>
             <a:ext cx="152400" cy="76200"/>
           </a:xfrm>
           <a:prstGeom prst="line">
@@ -8432,7 +8434,7 @@
         </p:nvSpPr>
         <p:spPr>
           <a:xfrm>
-            <a:off x="9296400" y="3200400"/>
+            <a:off x="7391400" y="2819400"/>
             <a:ext cx="457200" cy="152400"/>
           </a:xfrm>
           <a:prstGeom prst="rect">
@@ -8501,7 +8503,7 @@
         </p:nvSpPr>
         <p:spPr>
           <a:xfrm>
-            <a:off x="5867400" y="8153413"/>
+            <a:off x="8839200" y="3505213"/>
             <a:ext cx="304800" cy="304793"/>
           </a:xfrm>
           <a:prstGeom prst="rect">
@@ -8547,7 +8549,7 @@
         </p:nvCxnSpPr>
         <p:spPr>
           <a:xfrm flipV="1">
-            <a:off x="5943601" y="8381959"/>
+            <a:off x="8915401" y="3733759"/>
             <a:ext cx="76200" cy="76200"/>
           </a:xfrm>
           <a:prstGeom prst="line">
@@ -8582,7 +8584,7 @@
         </p:nvCxnSpPr>
         <p:spPr>
           <a:xfrm flipH="1" flipV="1">
-            <a:off x="6019801" y="8381959"/>
+            <a:off x="8991601" y="3733759"/>
             <a:ext cx="76200" cy="76200"/>
           </a:xfrm>
           <a:prstGeom prst="line">
@@ -8617,7 +8619,7 @@
         </p:nvSpPr>
         <p:spPr>
           <a:xfrm>
-            <a:off x="5943600" y="8153368"/>
+            <a:off x="8915400" y="3505168"/>
             <a:ext cx="152400" cy="152400"/>
           </a:xfrm>
           <a:prstGeom prst="rect">
@@ -8662,80 +8664,6 @@
           </a:p>
         </p:txBody>
       </p:sp>
-      <p:cxnSp>
-        <p:nvCxnSpPr>
-          <p:cNvPr id="140" name="Straight Connector 139"/>
-          <p:cNvCxnSpPr/>
-          <p:nvPr/>
-        </p:nvCxnSpPr>
-        <p:spPr>
-          <a:xfrm>
-            <a:off x="5562600" y="7162800"/>
-            <a:ext cx="0" cy="1066800"/>
-          </a:xfrm>
-          <a:prstGeom prst="line">
-            <a:avLst/>
-          </a:prstGeom>
-          <a:ln w="12700">
-            <a:solidFill>
-              <a:srgbClr val="000000"/>
-            </a:solidFill>
-            <a:headEnd type="oval" w="med" len="med"/>
-            <a:tailEnd type="none" w="med" len="med"/>
-          </a:ln>
-        </p:spPr>
-        <p:style>
-          <a:lnRef idx="1">
-            <a:schemeClr val="accent1"/>
-          </a:lnRef>
-          <a:fillRef idx="0">
-            <a:schemeClr val="accent1"/>
-          </a:fillRef>
-          <a:effectRef idx="0">
-            <a:schemeClr val="accent1"/>
-          </a:effectRef>
-          <a:fontRef idx="minor">
-            <a:schemeClr val="tx1"/>
-          </a:fontRef>
-        </p:style>
-      </p:cxnSp>
-      <p:cxnSp>
-        <p:nvCxnSpPr>
-          <p:cNvPr id="141" name="Straight Connector 140"/>
-          <p:cNvCxnSpPr/>
-          <p:nvPr/>
-        </p:nvCxnSpPr>
-        <p:spPr>
-          <a:xfrm>
-            <a:off x="5562600" y="8229603"/>
-            <a:ext cx="304800" cy="0"/>
-          </a:xfrm>
-          <a:prstGeom prst="line">
-            <a:avLst/>
-          </a:prstGeom>
-          <a:ln w="12700">
-            <a:solidFill>
-              <a:srgbClr val="000000"/>
-            </a:solidFill>
-            <a:headEnd type="none" w="med" len="med"/>
-            <a:tailEnd type="triangle" w="med" len="med"/>
-          </a:ln>
-        </p:spPr>
-        <p:style>
-          <a:lnRef idx="1">
-            <a:schemeClr val="accent1"/>
-          </a:lnRef>
-          <a:fillRef idx="0">
-            <a:schemeClr val="accent1"/>
-          </a:fillRef>
-          <a:effectRef idx="0">
-            <a:schemeClr val="accent1"/>
-          </a:effectRef>
-          <a:fontRef idx="minor">
-            <a:schemeClr val="tx1"/>
-          </a:fontRef>
-        </p:style>
-      </p:cxnSp>
       <p:sp>
         <p:nvSpPr>
           <p:cNvPr id="142" name="Flowchart: Delay 141"/>
@@ -8744,7 +8672,7 @@
         </p:nvSpPr>
         <p:spPr>
           <a:xfrm>
-            <a:off x="7086600" y="8001038"/>
+            <a:off x="10058400" y="3352838"/>
             <a:ext cx="304800" cy="304800"/>
           </a:xfrm>
           <a:prstGeom prst="flowChartDelay">
@@ -8790,7 +8718,7 @@
         </p:nvSpPr>
         <p:spPr>
           <a:xfrm>
-            <a:off x="6934200" y="8001038"/>
+            <a:off x="9906000" y="3352838"/>
             <a:ext cx="152400" cy="152400"/>
           </a:xfrm>
           <a:prstGeom prst="ellipse">
@@ -8836,7 +8764,7 @@
         </p:nvCxnSpPr>
         <p:spPr>
           <a:xfrm>
-            <a:off x="6172200" y="8229600"/>
+            <a:off x="9144000" y="3581400"/>
             <a:ext cx="914400" cy="0"/>
           </a:xfrm>
           <a:prstGeom prst="line">
@@ -8870,13 +8798,14 @@
           <p:cNvPr id="147" name="Straight Connector 146"/>
           <p:cNvCxnSpPr>
             <a:stCxn id="142" idx="3"/>
+            <a:endCxn id="187" idx="1"/>
           </p:cNvCxnSpPr>
           <p:nvPr/>
         </p:nvCxnSpPr>
         <p:spPr>
-          <a:xfrm>
-            <a:off x="7391400" y="8153438"/>
-            <a:ext cx="1219200" cy="0"/>
+          <a:xfrm flipV="1">
+            <a:off x="10363200" y="3505200"/>
+            <a:ext cx="1143000" cy="38"/>
           </a:xfrm>
           <a:prstGeom prst="line">
             <a:avLst/>
@@ -8912,7 +8841,7 @@
         </p:nvCxnSpPr>
         <p:spPr>
           <a:xfrm flipV="1">
-            <a:off x="6248400" y="8153368"/>
+            <a:off x="9220200" y="3505168"/>
             <a:ext cx="152400" cy="152400"/>
           </a:xfrm>
           <a:prstGeom prst="line">
@@ -8949,7 +8878,7 @@
         </p:nvSpPr>
         <p:spPr>
           <a:xfrm>
-            <a:off x="6248400" y="8077168"/>
+            <a:off x="9220200" y="3428968"/>
             <a:ext cx="152400" cy="76200"/>
           </a:xfrm>
           <a:prstGeom prst="rect">
@@ -9002,7 +8931,7 @@
         </p:nvCxnSpPr>
         <p:spPr>
           <a:xfrm flipV="1">
-            <a:off x="7467600" y="8077238"/>
+            <a:off x="11277600" y="3429038"/>
             <a:ext cx="152400" cy="152400"/>
           </a:xfrm>
           <a:prstGeom prst="line">
@@ -9039,7 +8968,7 @@
         </p:nvSpPr>
         <p:spPr>
           <a:xfrm>
-            <a:off x="7467600" y="8001038"/>
+            <a:off x="11277600" y="3352838"/>
             <a:ext cx="152400" cy="76200"/>
           </a:xfrm>
           <a:prstGeom prst="rect">
@@ -9084,16 +9013,108 @@
           </a:p>
         </p:txBody>
       </p:sp>
+      <p:sp>
+        <p:nvSpPr>
+          <p:cNvPr id="156" name="Flowchart: Delay 155"/>
+          <p:cNvSpPr/>
+          <p:nvPr/>
+        </p:nvSpPr>
+        <p:spPr>
+          <a:xfrm>
+            <a:off x="10058400" y="2895638"/>
+            <a:ext cx="304800" cy="304800"/>
+          </a:xfrm>
+          <a:prstGeom prst="flowChartDelay">
+            <a:avLst/>
+          </a:prstGeom>
+          <a:noFill/>
+          <a:ln w="12700">
+            <a:solidFill>
+              <a:srgbClr val="000000"/>
+            </a:solidFill>
+          </a:ln>
+        </p:spPr>
+        <p:style>
+          <a:lnRef idx="2">
+            <a:schemeClr val="accent1">
+              <a:shade val="50000"/>
+            </a:schemeClr>
+          </a:lnRef>
+          <a:fillRef idx="1">
+            <a:schemeClr val="accent1"/>
+          </a:fillRef>
+          <a:effectRef idx="0">
+            <a:schemeClr val="accent1"/>
+          </a:effectRef>
+          <a:fontRef idx="minor">
+            <a:schemeClr val="lt1"/>
+          </a:fontRef>
+        </p:style>
+        <p:txBody>
+          <a:bodyPr rtlCol="0" anchor="ctr"/>
+          <a:lstStyle/>
+          <a:p>
+            <a:pPr algn="ctr"/>
+            <a:endParaRPr lang="en-US" sz="3730"/>
+          </a:p>
+        </p:txBody>
+      </p:sp>
+      <p:sp>
+        <p:nvSpPr>
+          <p:cNvPr id="157" name="Oval 156"/>
+          <p:cNvSpPr/>
+          <p:nvPr/>
+        </p:nvSpPr>
+        <p:spPr>
+          <a:xfrm>
+            <a:off x="9906000" y="3048038"/>
+            <a:ext cx="152400" cy="152400"/>
+          </a:xfrm>
+          <a:prstGeom prst="ellipse">
+            <a:avLst/>
+          </a:prstGeom>
+          <a:noFill/>
+          <a:ln w="12700">
+            <a:solidFill>
+              <a:schemeClr val="tx1"/>
+            </a:solidFill>
+          </a:ln>
+        </p:spPr>
+        <p:style>
+          <a:lnRef idx="2">
+            <a:schemeClr val="accent1">
+              <a:shade val="50000"/>
+            </a:schemeClr>
+          </a:lnRef>
+          <a:fillRef idx="1">
+            <a:schemeClr val="accent1"/>
+          </a:fillRef>
+          <a:effectRef idx="0">
+            <a:schemeClr val="accent1"/>
+          </a:effectRef>
+          <a:fontRef idx="minor">
+            <a:schemeClr val="lt1"/>
+          </a:fontRef>
+        </p:style>
+        <p:txBody>
+          <a:bodyPr rtlCol="0" anchor="ctr"/>
+          <a:lstStyle/>
+          <a:p>
+            <a:pPr algn="ctr"/>
+            <a:endParaRPr lang="en-US"/>
+          </a:p>
+        </p:txBody>
+      </p:sp>
       <p:cxnSp>
         <p:nvCxnSpPr>
-          <p:cNvPr id="154" name="Straight Connector 153"/>
+          <p:cNvPr id="158" name="Straight Connector 157"/>
           <p:cNvCxnSpPr/>
           <p:nvPr/>
         </p:nvCxnSpPr>
         <p:spPr>
-          <a:xfrm>
-            <a:off x="4419600" y="7162800"/>
-            <a:ext cx="6019800" cy="0"/>
+          <a:xfrm flipV="1">
+            <a:off x="11277600" y="2971838"/>
+            <a:ext cx="152400" cy="152400"/>
           </a:xfrm>
           <a:prstGeom prst="line">
             <a:avLst/>
@@ -9123,142 +9144,13 @@
       </p:cxnSp>
       <p:sp>
         <p:nvSpPr>
-          <p:cNvPr id="156" name="Flowchart: Delay 155"/>
-          <p:cNvSpPr/>
-          <p:nvPr/>
-        </p:nvSpPr>
-        <p:spPr>
-          <a:xfrm>
-            <a:off x="7086600" y="7543838"/>
-            <a:ext cx="304800" cy="304800"/>
-          </a:xfrm>
-          <a:prstGeom prst="flowChartDelay">
-            <a:avLst/>
-          </a:prstGeom>
-          <a:noFill/>
-          <a:ln w="12700">
-            <a:solidFill>
-              <a:srgbClr val="000000"/>
-            </a:solidFill>
-          </a:ln>
-        </p:spPr>
-        <p:style>
-          <a:lnRef idx="2">
-            <a:schemeClr val="accent1">
-              <a:shade val="50000"/>
-            </a:schemeClr>
-          </a:lnRef>
-          <a:fillRef idx="1">
-            <a:schemeClr val="accent1"/>
-          </a:fillRef>
-          <a:effectRef idx="0">
-            <a:schemeClr val="accent1"/>
-          </a:effectRef>
-          <a:fontRef idx="minor">
-            <a:schemeClr val="lt1"/>
-          </a:fontRef>
-        </p:style>
-        <p:txBody>
-          <a:bodyPr rtlCol="0" anchor="ctr"/>
-          <a:lstStyle/>
-          <a:p>
-            <a:pPr algn="ctr"/>
-            <a:endParaRPr lang="en-US" sz="3730"/>
-          </a:p>
-        </p:txBody>
-      </p:sp>
-      <p:sp>
-        <p:nvSpPr>
-          <p:cNvPr id="157" name="Oval 156"/>
-          <p:cNvSpPr/>
-          <p:nvPr/>
-        </p:nvSpPr>
-        <p:spPr>
-          <a:xfrm>
-            <a:off x="6934200" y="7696238"/>
-            <a:ext cx="152400" cy="152400"/>
-          </a:xfrm>
-          <a:prstGeom prst="ellipse">
-            <a:avLst/>
-          </a:prstGeom>
-          <a:noFill/>
-          <a:ln w="12700">
-            <a:solidFill>
-              <a:schemeClr val="tx1"/>
-            </a:solidFill>
-          </a:ln>
-        </p:spPr>
-        <p:style>
-          <a:lnRef idx="2">
-            <a:schemeClr val="accent1">
-              <a:shade val="50000"/>
-            </a:schemeClr>
-          </a:lnRef>
-          <a:fillRef idx="1">
-            <a:schemeClr val="accent1"/>
-          </a:fillRef>
-          <a:effectRef idx="0">
-            <a:schemeClr val="accent1"/>
-          </a:effectRef>
-          <a:fontRef idx="minor">
-            <a:schemeClr val="lt1"/>
-          </a:fontRef>
-        </p:style>
-        <p:txBody>
-          <a:bodyPr rtlCol="0" anchor="ctr"/>
-          <a:lstStyle/>
-          <a:p>
-            <a:pPr algn="ctr"/>
-            <a:endParaRPr lang="en-US"/>
-          </a:p>
-        </p:txBody>
-      </p:sp>
-      <p:cxnSp>
-        <p:nvCxnSpPr>
-          <p:cNvPr id="158" name="Straight Connector 157"/>
-          <p:cNvCxnSpPr/>
-          <p:nvPr/>
-        </p:nvCxnSpPr>
-        <p:spPr>
-          <a:xfrm flipV="1">
-            <a:off x="7467600" y="7620038"/>
-            <a:ext cx="152400" cy="152400"/>
-          </a:xfrm>
-          <a:prstGeom prst="line">
-            <a:avLst/>
-          </a:prstGeom>
-          <a:ln w="12700">
-            <a:solidFill>
-              <a:srgbClr val="000000"/>
-            </a:solidFill>
-            <a:headEnd type="none" w="med" len="med"/>
-            <a:tailEnd type="none" w="med" len="med"/>
-          </a:ln>
-        </p:spPr>
-        <p:style>
-          <a:lnRef idx="1">
-            <a:schemeClr val="accent1"/>
-          </a:lnRef>
-          <a:fillRef idx="0">
-            <a:schemeClr val="accent1"/>
-          </a:fillRef>
-          <a:effectRef idx="0">
-            <a:schemeClr val="accent1"/>
-          </a:effectRef>
-          <a:fontRef idx="minor">
-            <a:schemeClr val="tx1"/>
-          </a:fontRef>
-        </p:style>
-      </p:cxnSp>
-      <p:sp>
-        <p:nvSpPr>
           <p:cNvPr id="159" name="Rectangle 158"/>
           <p:cNvSpPr/>
           <p:nvPr/>
         </p:nvSpPr>
         <p:spPr>
           <a:xfrm>
-            <a:off x="7467600" y="7543838"/>
+            <a:off x="11277600" y="2895638"/>
             <a:ext cx="152400" cy="76200"/>
           </a:xfrm>
           <a:prstGeom prst="rect">
@@ -9311,7 +9203,7 @@
         </p:nvCxnSpPr>
         <p:spPr>
           <a:xfrm>
-            <a:off x="6705600" y="7162800"/>
+            <a:off x="9677400" y="2514600"/>
             <a:ext cx="0" cy="914400"/>
           </a:xfrm>
           <a:prstGeom prst="line">
@@ -9348,7 +9240,7 @@
         </p:nvCxnSpPr>
         <p:spPr>
           <a:xfrm>
-            <a:off x="6705600" y="8077200"/>
+            <a:off x="9677400" y="3429000"/>
             <a:ext cx="228600" cy="0"/>
           </a:xfrm>
           <a:prstGeom prst="line">
@@ -9385,7 +9277,7 @@
         </p:nvCxnSpPr>
         <p:spPr>
           <a:xfrm>
-            <a:off x="6553200" y="7772400"/>
+            <a:off x="9525000" y="3124200"/>
             <a:ext cx="381000" cy="0"/>
           </a:xfrm>
           <a:prstGeom prst="line">
@@ -9422,7 +9314,7 @@
         </p:nvCxnSpPr>
         <p:spPr>
           <a:xfrm flipV="1">
-            <a:off x="6553200" y="7772400"/>
+            <a:off x="9525000" y="3124200"/>
             <a:ext cx="0" cy="457200"/>
           </a:xfrm>
           <a:prstGeom prst="line">
@@ -9459,7 +9351,7 @@
         </p:nvCxnSpPr>
         <p:spPr>
           <a:xfrm>
-            <a:off x="6705600" y="7620000"/>
+            <a:off x="9677400" y="2971800"/>
             <a:ext cx="381000" cy="0"/>
           </a:xfrm>
           <a:prstGeom prst="line">
@@ -9488,105 +9380,15 @@
           </a:fontRef>
         </p:style>
       </p:cxnSp>
-      <p:cxnSp>
-        <p:nvCxnSpPr>
-          <p:cNvPr id="166" name="Straight Connector 165"/>
-          <p:cNvCxnSpPr/>
-          <p:nvPr/>
-        </p:nvCxnSpPr>
-        <p:spPr>
-          <a:xfrm flipV="1">
-            <a:off x="4495800" y="7086600"/>
-            <a:ext cx="152400" cy="152400"/>
-          </a:xfrm>
-          <a:prstGeom prst="line">
-            <a:avLst/>
-          </a:prstGeom>
-          <a:ln w="12700">
-            <a:solidFill>
-              <a:srgbClr val="000000"/>
-            </a:solidFill>
-            <a:headEnd type="none" w="med" len="med"/>
-            <a:tailEnd type="none" w="med" len="med"/>
-          </a:ln>
-        </p:spPr>
-        <p:style>
-          <a:lnRef idx="1">
-            <a:schemeClr val="accent1"/>
-          </a:lnRef>
-          <a:fillRef idx="0">
-            <a:schemeClr val="accent1"/>
-          </a:fillRef>
-          <a:effectRef idx="0">
-            <a:schemeClr val="accent1"/>
-          </a:effectRef>
-          <a:fontRef idx="minor">
-            <a:schemeClr val="tx1"/>
-          </a:fontRef>
-        </p:style>
-      </p:cxnSp>
-      <p:sp>
-        <p:nvSpPr>
-          <p:cNvPr id="167" name="Rectangle 166"/>
+      <p:sp>
+        <p:nvSpPr>
+          <p:cNvPr id="173" name="Rectangle 172"/>
           <p:cNvSpPr/>
           <p:nvPr/>
         </p:nvSpPr>
         <p:spPr>
           <a:xfrm>
-            <a:off x="4495800" y="7010400"/>
-            <a:ext cx="152400" cy="76200"/>
-          </a:xfrm>
-          <a:prstGeom prst="rect">
-            <a:avLst/>
-          </a:prstGeom>
-          <a:noFill/>
-          <a:ln>
-            <a:noFill/>
-          </a:ln>
-        </p:spPr>
-        <p:style>
-          <a:lnRef idx="2">
-            <a:schemeClr val="accent1">
-              <a:shade val="50000"/>
-            </a:schemeClr>
-          </a:lnRef>
-          <a:fillRef idx="1">
-            <a:schemeClr val="accent1"/>
-          </a:fillRef>
-          <a:effectRef idx="0">
-            <a:schemeClr val="accent1"/>
-          </a:effectRef>
-          <a:fontRef idx="minor">
-            <a:schemeClr val="lt1"/>
-          </a:fontRef>
-        </p:style>
-        <p:txBody>
-          <a:bodyPr wrap="none" lIns="45720" rIns="45720" rtlCol="0" anchor="ctr"/>
-          <a:lstStyle/>
-          <a:p>
-            <a:pPr algn="ctr"/>
-            <a:r>
-              <a:rPr lang="en-US" sz="900" dirty="0">
-                <a:solidFill>
-                  <a:srgbClr val="000000"/>
-                </a:solidFill>
-                <a:latin typeface="Courier New" panose="02070309020205020404" pitchFamily="49" charset="0"/>
-                <a:cs typeface="Courier New" panose="02070309020205020404" pitchFamily="49" charset="0"/>
-              </a:rPr>
-              <a:t>1</a:t>
-            </a:r>
-          </a:p>
-        </p:txBody>
-      </p:sp>
-      <p:sp>
-        <p:nvSpPr>
-          <p:cNvPr id="171" name="Rectangle 170"/>
-          <p:cNvSpPr/>
-          <p:nvPr/>
-        </p:nvSpPr>
-        <p:spPr>
-          <a:xfrm>
-            <a:off x="4724400" y="7010400"/>
+            <a:off x="9296400" y="3581400"/>
             <a:ext cx="457200" cy="152400"/>
           </a:xfrm>
           <a:prstGeom prst="rect">
@@ -9625,7 +9427,17 @@
                 <a:latin typeface="Courier New" panose="02070309020205020404" pitchFamily="49" charset="0"/>
                 <a:cs typeface="Courier New" panose="02070309020205020404" pitchFamily="49" charset="0"/>
               </a:rPr>
-              <a:t>btn_1_d1</a:t>
+              <a:t>dout</a:t>
+            </a:r>
+            <a:r>
+              <a:rPr lang="en-US" sz="900" dirty="0" smtClean="0">
+                <a:solidFill>
+                  <a:srgbClr val="000000"/>
+                </a:solidFill>
+                <a:latin typeface="Courier New" panose="02070309020205020404" pitchFamily="49" charset="0"/>
+                <a:cs typeface="Courier New" panose="02070309020205020404" pitchFamily="49" charset="0"/>
+              </a:rPr>
+              <a:t>_d1</a:t>
             </a:r>
             <a:endParaRPr lang="en-US" sz="900" dirty="0">
               <a:solidFill>
@@ -9637,15 +9449,157 @@
           </a:p>
         </p:txBody>
       </p:sp>
-      <p:sp>
-        <p:nvSpPr>
-          <p:cNvPr id="173" name="Rectangle 172"/>
+      <p:cxnSp>
+        <p:nvCxnSpPr>
+          <p:cNvPr id="183" name="Straight Connector 182"/>
+          <p:cNvCxnSpPr>
+            <a:stCxn id="156" idx="3"/>
+            <a:endCxn id="186" idx="1"/>
+          </p:cNvCxnSpPr>
+          <p:nvPr/>
+        </p:nvCxnSpPr>
+        <p:spPr>
+          <a:xfrm flipV="1">
+            <a:off x="10363200" y="3048000"/>
+            <a:ext cx="1143000" cy="38"/>
+          </a:xfrm>
+          <a:prstGeom prst="line">
+            <a:avLst/>
+          </a:prstGeom>
+          <a:ln w="12700">
+            <a:solidFill>
+              <a:srgbClr val="000000"/>
+            </a:solidFill>
+            <a:headEnd type="none" w="med" len="med"/>
+            <a:tailEnd type="none" w="med" len="med"/>
+          </a:ln>
+        </p:spPr>
+        <p:style>
+          <a:lnRef idx="1">
+            <a:schemeClr val="accent1"/>
+          </a:lnRef>
+          <a:fillRef idx="0">
+            <a:schemeClr val="accent1"/>
+          </a:fillRef>
+          <a:effectRef idx="0">
+            <a:schemeClr val="accent1"/>
+          </a:effectRef>
+          <a:fontRef idx="minor">
+            <a:schemeClr val="tx1"/>
+          </a:fontRef>
+        </p:style>
+      </p:cxnSp>
+      <p:sp>
+        <p:nvSpPr>
+          <p:cNvPr id="186" name="Pentagon 185"/>
           <p:cNvSpPr/>
           <p:nvPr/>
         </p:nvSpPr>
         <p:spPr>
           <a:xfrm>
-            <a:off x="6324600" y="8229600"/>
+            <a:off x="11506200" y="2971800"/>
+            <a:ext cx="228600" cy="152400"/>
+          </a:xfrm>
+          <a:prstGeom prst="homePlate">
+            <a:avLst/>
+          </a:prstGeom>
+          <a:noFill/>
+          <a:ln w="12700">
+            <a:solidFill>
+              <a:schemeClr val="tx1"/>
+            </a:solidFill>
+          </a:ln>
+        </p:spPr>
+        <p:style>
+          <a:lnRef idx="2">
+            <a:schemeClr val="accent1">
+              <a:shade val="50000"/>
+            </a:schemeClr>
+          </a:lnRef>
+          <a:fillRef idx="1">
+            <a:schemeClr val="accent1"/>
+          </a:fillRef>
+          <a:effectRef idx="0">
+            <a:schemeClr val="accent1"/>
+          </a:effectRef>
+          <a:fontRef idx="minor">
+            <a:schemeClr val="lt1"/>
+          </a:fontRef>
+        </p:style>
+        <p:txBody>
+          <a:bodyPr rot="0" spcFirstLastPara="0" vertOverflow="overflow" horzOverflow="overflow" vert="horz" wrap="square" lIns="91440" tIns="45720" rIns="91440" bIns="45720" numCol="1" spcCol="0" rtlCol="0" fromWordArt="0" anchor="ctr" anchorCtr="0" forceAA="0" compatLnSpc="1">
+            <a:prstTxWarp prst="textNoShape">
+              <a:avLst/>
+            </a:prstTxWarp>
+            <a:noAutofit/>
+          </a:bodyPr>
+          <a:lstStyle/>
+          <a:p>
+            <a:pPr algn="ctr"/>
+            <a:endParaRPr lang="en-US" sz="3730"/>
+          </a:p>
+        </p:txBody>
+      </p:sp>
+      <p:sp>
+        <p:nvSpPr>
+          <p:cNvPr id="187" name="Pentagon 186"/>
+          <p:cNvSpPr/>
+          <p:nvPr/>
+        </p:nvSpPr>
+        <p:spPr>
+          <a:xfrm>
+            <a:off x="11506200" y="3429000"/>
+            <a:ext cx="228600" cy="152400"/>
+          </a:xfrm>
+          <a:prstGeom prst="homePlate">
+            <a:avLst/>
+          </a:prstGeom>
+          <a:noFill/>
+          <a:ln w="12700">
+            <a:solidFill>
+              <a:schemeClr val="tx1"/>
+            </a:solidFill>
+          </a:ln>
+        </p:spPr>
+        <p:style>
+          <a:lnRef idx="2">
+            <a:schemeClr val="accent1">
+              <a:shade val="50000"/>
+            </a:schemeClr>
+          </a:lnRef>
+          <a:fillRef idx="1">
+            <a:schemeClr val="accent1"/>
+          </a:fillRef>
+          <a:effectRef idx="0">
+            <a:schemeClr val="accent1"/>
+          </a:effectRef>
+          <a:fontRef idx="minor">
+            <a:schemeClr val="lt1"/>
+          </a:fontRef>
+        </p:style>
+        <p:txBody>
+          <a:bodyPr rot="0" spcFirstLastPara="0" vertOverflow="overflow" horzOverflow="overflow" vert="horz" wrap="square" lIns="91440" tIns="45720" rIns="91440" bIns="45720" numCol="1" spcCol="0" rtlCol="0" fromWordArt="0" anchor="ctr" anchorCtr="0" forceAA="0" compatLnSpc="1">
+            <a:prstTxWarp prst="textNoShape">
+              <a:avLst/>
+            </a:prstTxWarp>
+            <a:noAutofit/>
+          </a:bodyPr>
+          <a:lstStyle/>
+          <a:p>
+            <a:pPr algn="ctr"/>
+            <a:endParaRPr lang="en-US" sz="3730"/>
+          </a:p>
+        </p:txBody>
+      </p:sp>
+      <p:sp>
+        <p:nvSpPr>
+          <p:cNvPr id="189" name="Rectangle 188"/>
+          <p:cNvSpPr/>
+          <p:nvPr/>
+        </p:nvSpPr>
+        <p:spPr>
+          <a:xfrm>
+            <a:off x="10668000" y="2895600"/>
             <a:ext cx="457200" cy="152400"/>
           </a:xfrm>
           <a:prstGeom prst="rect">
@@ -9684,7 +9638,7 @@
                 <a:latin typeface="Courier New" panose="02070309020205020404" pitchFamily="49" charset="0"/>
                 <a:cs typeface="Courier New" panose="02070309020205020404" pitchFamily="49" charset="0"/>
               </a:rPr>
-              <a:t>btn_1_d2</a:t>
+              <a:t>DRISE</a:t>
             </a:r>
             <a:endParaRPr lang="en-US" sz="900" dirty="0">
               <a:solidFill>
@@ -9698,13 +9652,13 @@
       </p:sp>
       <p:sp>
         <p:nvSpPr>
-          <p:cNvPr id="174" name="Rectangle 173"/>
+          <p:cNvPr id="190" name="Rectangle 189"/>
           <p:cNvSpPr/>
           <p:nvPr/>
         </p:nvSpPr>
         <p:spPr>
           <a:xfrm>
-            <a:off x="7696200" y="7543800"/>
+            <a:off x="10668000" y="3352800"/>
             <a:ext cx="457200" cy="152400"/>
           </a:xfrm>
           <a:prstGeom prst="rect">
@@ -9743,7 +9697,7 @@
                 <a:latin typeface="Courier New" panose="02070309020205020404" pitchFamily="49" charset="0"/>
                 <a:cs typeface="Courier New" panose="02070309020205020404" pitchFamily="49" charset="0"/>
               </a:rPr>
-              <a:t>btn_1_rise</a:t>
+              <a:t>DFALL</a:t>
             </a:r>
             <a:endParaRPr lang="en-US" sz="900" dirty="0">
               <a:solidFill>
@@ -9755,15 +9709,52 @@
           </a:p>
         </p:txBody>
       </p:sp>
-      <p:sp>
-        <p:nvSpPr>
-          <p:cNvPr id="175" name="Rectangle 174"/>
+      <p:cxnSp>
+        <p:nvCxnSpPr>
+          <p:cNvPr id="198" name="Straight Connector 197"/>
+          <p:cNvCxnSpPr/>
+          <p:nvPr/>
+        </p:nvCxnSpPr>
+        <p:spPr>
+          <a:xfrm flipH="1" flipV="1">
+            <a:off x="9144000" y="3886200"/>
+            <a:ext cx="152400" cy="76200"/>
+          </a:xfrm>
+          <a:prstGeom prst="line">
+            <a:avLst/>
+          </a:prstGeom>
+          <a:ln w="12700">
+            <a:solidFill>
+              <a:srgbClr val="000000"/>
+            </a:solidFill>
+            <a:headEnd type="none" w="med" len="med"/>
+            <a:tailEnd type="triangle" w="med" len="med"/>
+          </a:ln>
+        </p:spPr>
+        <p:style>
+          <a:lnRef idx="1">
+            <a:schemeClr val="accent1"/>
+          </a:lnRef>
+          <a:fillRef idx="0">
+            <a:schemeClr val="accent1"/>
+          </a:fillRef>
+          <a:effectRef idx="0">
+            <a:schemeClr val="accent1"/>
+          </a:effectRef>
+          <a:fontRef idx="minor">
+            <a:schemeClr val="tx1"/>
+          </a:fontRef>
+        </p:style>
+      </p:cxnSp>
+      <p:sp>
+        <p:nvSpPr>
+          <p:cNvPr id="199" name="Rectangle 198"/>
           <p:cNvSpPr/>
           <p:nvPr/>
         </p:nvSpPr>
         <p:spPr>
           <a:xfrm>
-            <a:off x="7696200" y="8001000"/>
+            <a:off x="8991600" y="3962400"/>
             <a:ext cx="457200" cy="152400"/>
           </a:xfrm>
           <a:prstGeom prst="rect">
@@ -9794,6 +9785,16 @@
           <a:bodyPr wrap="none" lIns="45720" rIns="45720" rtlCol="0" anchor="ctr"/>
           <a:lstStyle/>
           <a:p>
+            <a:r>
+              <a:rPr lang="en-US" sz="900" dirty="0" err="1" smtClean="0">
+                <a:solidFill>
+                  <a:srgbClr val="000000"/>
+                </a:solidFill>
+                <a:latin typeface="Courier New" panose="02070309020205020404" pitchFamily="49" charset="0"/>
+                <a:cs typeface="Courier New" panose="02070309020205020404" pitchFamily="49" charset="0"/>
+              </a:rPr>
+              <a:t>rst</a:t>
+            </a:r>
             <a:r>
               <a:rPr lang="en-US" sz="900" dirty="0" smtClean="0">
                 <a:solidFill>
@@ -9802,7 +9803,7 @@
                 <a:latin typeface="Courier New" panose="02070309020205020404" pitchFamily="49" charset="0"/>
                 <a:cs typeface="Courier New" panose="02070309020205020404" pitchFamily="49" charset="0"/>
               </a:rPr>
-              <a:t>btn_1_fall</a:t>
+              <a:t>-&gt;RV</a:t>
             </a:r>
             <a:endParaRPr lang="en-US" sz="900" dirty="0">
               <a:solidFill>
@@ -9814,117 +9815,6 @@
           </a:p>
         </p:txBody>
       </p:sp>
-      <p:cxnSp>
-        <p:nvCxnSpPr>
-          <p:cNvPr id="178" name="Straight Connector 177"/>
-          <p:cNvCxnSpPr/>
-          <p:nvPr/>
-        </p:nvCxnSpPr>
-        <p:spPr>
-          <a:xfrm flipV="1">
-            <a:off x="8534400" y="6781800"/>
-            <a:ext cx="0" cy="381000"/>
-          </a:xfrm>
-          <a:prstGeom prst="line">
-            <a:avLst/>
-          </a:prstGeom>
-          <a:ln w="12700">
-            <a:solidFill>
-              <a:srgbClr val="000000"/>
-            </a:solidFill>
-            <a:headEnd type="oval" w="med" len="med"/>
-            <a:tailEnd type="triangle" w="med" len="med"/>
-          </a:ln>
-        </p:spPr>
-        <p:style>
-          <a:lnRef idx="1">
-            <a:schemeClr val="accent1"/>
-          </a:lnRef>
-          <a:fillRef idx="0">
-            <a:schemeClr val="accent1"/>
-          </a:fillRef>
-          <a:effectRef idx="0">
-            <a:schemeClr val="accent1"/>
-          </a:effectRef>
-          <a:fontRef idx="minor">
-            <a:schemeClr val="tx1"/>
-          </a:fontRef>
-        </p:style>
-      </p:cxnSp>
-      <p:cxnSp>
-        <p:nvCxnSpPr>
-          <p:cNvPr id="180" name="Straight Connector 179"/>
-          <p:cNvCxnSpPr/>
-          <p:nvPr/>
-        </p:nvCxnSpPr>
-        <p:spPr>
-          <a:xfrm flipV="1">
-            <a:off x="8610600" y="6781800"/>
-            <a:ext cx="0" cy="1371600"/>
-          </a:xfrm>
-          <a:prstGeom prst="line">
-            <a:avLst/>
-          </a:prstGeom>
-          <a:ln w="12700">
-            <a:solidFill>
-              <a:srgbClr val="000000"/>
-            </a:solidFill>
-            <a:headEnd type="none" w="med" len="med"/>
-            <a:tailEnd type="triangle" w="med" len="med"/>
-          </a:ln>
-        </p:spPr>
-        <p:style>
-          <a:lnRef idx="1">
-            <a:schemeClr val="accent1"/>
-          </a:lnRef>
-          <a:fillRef idx="0">
-            <a:schemeClr val="accent1"/>
-          </a:fillRef>
-          <a:effectRef idx="0">
-            <a:schemeClr val="accent1"/>
-          </a:effectRef>
-          <a:fontRef idx="minor">
-            <a:schemeClr val="tx1"/>
-          </a:fontRef>
-        </p:style>
-      </p:cxnSp>
-      <p:cxnSp>
-        <p:nvCxnSpPr>
-          <p:cNvPr id="182" name="Straight Connector 181"/>
-          <p:cNvCxnSpPr/>
-          <p:nvPr/>
-        </p:nvCxnSpPr>
-        <p:spPr>
-          <a:xfrm>
-            <a:off x="10439400" y="7162800"/>
-            <a:ext cx="0" cy="609600"/>
-          </a:xfrm>
-          <a:prstGeom prst="line">
-            <a:avLst/>
-          </a:prstGeom>
-          <a:ln w="12700">
-            <a:solidFill>
-              <a:srgbClr val="000000"/>
-            </a:solidFill>
-            <a:headEnd type="none" w="med" len="med"/>
-            <a:tailEnd type="none" w="med" len="med"/>
-          </a:ln>
-        </p:spPr>
-        <p:style>
-          <a:lnRef idx="1">
-            <a:schemeClr val="accent1"/>
-          </a:lnRef>
-          <a:fillRef idx="0">
-            <a:schemeClr val="accent1"/>
-          </a:fillRef>
-          <a:effectRef idx="0">
-            <a:schemeClr val="accent1"/>
-          </a:effectRef>
-          <a:fontRef idx="minor">
-            <a:schemeClr val="tx1"/>
-          </a:fontRef>
-        </p:style>
-      </p:cxnSp>
     </p:spTree>
     <p:extLst>
       <p:ext uri="{BB962C8B-B14F-4D97-AF65-F5344CB8AC3E}">
